--- a/Blockchain.pptx
+++ b/Blockchain.pptx
@@ -15114,6 +15114,54 @@
           </a:prstGeom>
         </p:spPr>
       </p:pic>
+      <p:sp>
+        <p:nvSpPr>
+          <p:cNvPr id="3" name="Rectangle 2"/>
+          <p:cNvSpPr/>
+          <p:nvPr/>
+        </p:nvSpPr>
+        <p:spPr>
+          <a:xfrm>
+            <a:off x="7469437" y="2633031"/>
+            <a:ext cx="4296578" cy="3988106"/>
+          </a:xfrm>
+          <a:prstGeom prst="rect">
+            <a:avLst/>
+          </a:prstGeom>
+          <a:solidFill>
+            <a:schemeClr val="bg1"/>
+          </a:solidFill>
+          <a:ln>
+            <a:solidFill>
+              <a:schemeClr val="bg1"/>
+            </a:solidFill>
+          </a:ln>
+        </p:spPr>
+        <p:style>
+          <a:lnRef idx="2">
+            <a:schemeClr val="accent1">
+              <a:shade val="50000"/>
+            </a:schemeClr>
+          </a:lnRef>
+          <a:fillRef idx="1">
+            <a:schemeClr val="accent1"/>
+          </a:fillRef>
+          <a:effectRef idx="0">
+            <a:schemeClr val="accent1"/>
+          </a:effectRef>
+          <a:fontRef idx="minor">
+            <a:schemeClr val="lt1"/>
+          </a:fontRef>
+        </p:style>
+        <p:txBody>
+          <a:bodyPr rtlCol="0" anchor="ctr"/>
+          <a:lstStyle/>
+          <a:p>
+            <a:pPr algn="ctr"/>
+            <a:endParaRPr lang="en-US"/>
+          </a:p>
+        </p:txBody>
+      </p:sp>
     </p:spTree>
     <p:extLst>
       <p:ext uri="{BB962C8B-B14F-4D97-AF65-F5344CB8AC3E}">
